--- a/Presentation3/MarijaBelova752684_Jan-PatrickKirchner742143_FelixHennig752734.pptx
+++ b/Presentation3/MarijaBelova752684_Jan-PatrickKirchner742143_FelixHennig752734.pptx
@@ -5,19 +5,18 @@
     <p:sldMasterId id="2147483648" r:id="rId1"/>
   </p:sldMasterIdLst>
   <p:notesMasterIdLst>
-    <p:notesMasterId r:id="rId12"/>
+    <p:notesMasterId r:id="rId11"/>
   </p:notesMasterIdLst>
   <p:sldIdLst>
     <p:sldId id="256" r:id="rId2"/>
     <p:sldId id="279" r:id="rId3"/>
     <p:sldId id="280" r:id="rId4"/>
-    <p:sldId id="281" r:id="rId5"/>
-    <p:sldId id="282" r:id="rId6"/>
-    <p:sldId id="283" r:id="rId7"/>
-    <p:sldId id="284" r:id="rId8"/>
-    <p:sldId id="285" r:id="rId9"/>
-    <p:sldId id="272" r:id="rId10"/>
-    <p:sldId id="275" r:id="rId11"/>
+    <p:sldId id="282" r:id="rId5"/>
+    <p:sldId id="283" r:id="rId6"/>
+    <p:sldId id="284" r:id="rId7"/>
+    <p:sldId id="285" r:id="rId8"/>
+    <p:sldId id="272" r:id="rId9"/>
+    <p:sldId id="275" r:id="rId10"/>
   </p:sldIdLst>
   <p:sldSz cx="12192000" cy="6858000"/>
   <p:notesSz cx="6858000" cy="9144000"/>
@@ -206,7 +205,7 @@
           <a:p>
             <a:fld id="{3D62CC3F-D9C2-4EE2-8213-158359FA7994}" type="datetimeFigureOut">
               <a:rPr lang="en-GB" smtClean="0"/>
-              <a:t>13/06/2018</a:t>
+              <a:t>14/06/2018</a:t>
             </a:fld>
             <a:endParaRPr lang="en-GB"/>
           </a:p>
@@ -569,7 +568,7 @@
           <a:effectLst/>
           <a:extLst>
             <a:ext uri="{91240B29-F687-4f45-9708-019B960494DF}">
-              <a14:hiddenLine xmlns:a14="http://schemas.microsoft.com/office/drawing/2010/main" xmlns="" w="9525">
+              <a14:hiddenLine xmlns="" xmlns:a14="http://schemas.microsoft.com/office/drawing/2010/main" w="9525">
                 <a:solidFill>
                   <a:srgbClr val="000000"/>
                 </a:solidFill>
@@ -762,7 +761,7 @@
             <a:fld id="{08B9EBBA-996F-894A-B54A-D6246ED52CEA}" type="datetimeFigureOut">
               <a:rPr lang="en-US" dirty="0"/>
               <a:pPr/>
-              <a:t>6/13/2018</a:t>
+              <a:t>6/14/2018</a:t>
             </a:fld>
             <a:endParaRPr lang="en-US" dirty="0"/>
           </a:p>
@@ -1077,7 +1076,7 @@
             <a:fld id="{18C79C5D-2A6F-F04D-97DA-BEF2467B64E4}" type="datetimeFigureOut">
               <a:rPr lang="en-US" dirty="0"/>
               <a:pPr/>
-              <a:t>6/13/2018</a:t>
+              <a:t>6/14/2018</a:t>
             </a:fld>
             <a:endParaRPr lang="en-US" dirty="0"/>
           </a:p>
@@ -1562,7 +1561,7 @@
             <a:fld id="{8DFA1846-DA80-1C48-A609-854EA85C59AD}" type="datetimeFigureOut">
               <a:rPr lang="en-US" dirty="0"/>
               <a:pPr/>
-              <a:t>6/13/2018</a:t>
+              <a:t>6/14/2018</a:t>
             </a:fld>
             <a:endParaRPr lang="en-US" dirty="0"/>
           </a:p>
@@ -1928,7 +1927,7 @@
             <a:fld id="{FBF54567-0DE4-3F47-BF90-CB84690072F9}" type="datetimeFigureOut">
               <a:rPr lang="en-US" dirty="0"/>
               <a:pPr/>
-              <a:t>6/13/2018</a:t>
+              <a:t>6/14/2018</a:t>
             </a:fld>
             <a:endParaRPr lang="en-US" dirty="0"/>
           </a:p>
@@ -2079,7 +2078,7 @@
           <a:ln/>
           <a:extLst>
             <a:ext uri="{91240B29-F687-4f45-9708-019B960494DF}">
-              <a14:hiddenLine xmlns:a14="http://schemas.microsoft.com/office/drawing/2010/main" xmlns="" w="9525">
+              <a14:hiddenLine xmlns="" xmlns:a14="http://schemas.microsoft.com/office/drawing/2010/main" w="9525">
                 <a:solidFill>
                   <a:srgbClr val="000000"/>
                 </a:solidFill>
@@ -2198,7 +2197,7 @@
             <a:fld id="{C6C52C72-DE31-F449-A4ED-4C594FD91407}" type="datetimeFigureOut">
               <a:rPr lang="en-US" dirty="0"/>
               <a:pPr/>
-              <a:t>6/13/2018</a:t>
+              <a:t>6/14/2018</a:t>
             </a:fld>
             <a:endParaRPr lang="en-US" dirty="0"/>
           </a:p>
@@ -2351,7 +2350,7 @@
           <a:ln/>
           <a:extLst>
             <a:ext uri="{91240B29-F687-4f45-9708-019B960494DF}">
-              <a14:hiddenLine xmlns:a14="http://schemas.microsoft.com/office/drawing/2010/main" xmlns="" w="9525">
+              <a14:hiddenLine xmlns="" xmlns:a14="http://schemas.microsoft.com/office/drawing/2010/main" w="9525">
                 <a:solidFill>
                   <a:srgbClr val="000000"/>
                 </a:solidFill>
@@ -2480,7 +2479,7 @@
             <a:fld id="{ED62726E-379B-B349-9EED-81ED093FA806}" type="datetimeFigureOut">
               <a:rPr lang="en-US" dirty="0"/>
               <a:pPr/>
-              <a:t>6/13/2018</a:t>
+              <a:t>6/14/2018</a:t>
             </a:fld>
             <a:endParaRPr lang="en-US" dirty="0"/>
           </a:p>
@@ -2631,7 +2630,7 @@
           <a:ln/>
           <a:extLst>
             <a:ext uri="{91240B29-F687-4f45-9708-019B960494DF}">
-              <a14:hiddenLine xmlns:a14="http://schemas.microsoft.com/office/drawing/2010/main" xmlns="" w="9525">
+              <a14:hiddenLine xmlns="" xmlns:a14="http://schemas.microsoft.com/office/drawing/2010/main" w="9525">
                 <a:solidFill>
                   <a:srgbClr val="000000"/>
                 </a:solidFill>
@@ -2760,7 +2759,7 @@
             <a:fld id="{9B3A1323-8D79-1946-B0D7-40001CF92E9D}" type="datetimeFigureOut">
               <a:rPr lang="en-US" dirty="0"/>
               <a:pPr/>
-              <a:t>6/13/2018</a:t>
+              <a:t>6/14/2018</a:t>
             </a:fld>
             <a:endParaRPr lang="en-US" dirty="0"/>
           </a:p>
@@ -3100,7 +3099,7 @@
             <a:fld id="{8DFA1846-DA80-1C48-A609-854EA85C59AD}" type="datetimeFigureOut">
               <a:rPr lang="en-US" dirty="0"/>
               <a:pPr/>
-              <a:t>6/13/2018</a:t>
+              <a:t>6/14/2018</a:t>
             </a:fld>
             <a:endParaRPr lang="en-US" dirty="0"/>
           </a:p>
@@ -3251,7 +3250,7 @@
           <a:ln/>
           <a:extLst>
             <a:ext uri="{91240B29-F687-4f45-9708-019B960494DF}">
-              <a14:hiddenLine xmlns:a14="http://schemas.microsoft.com/office/drawing/2010/main" xmlns="" w="9525">
+              <a14:hiddenLine xmlns="" xmlns:a14="http://schemas.microsoft.com/office/drawing/2010/main" w="9525">
                 <a:solidFill>
                   <a:srgbClr val="000000"/>
                 </a:solidFill>
@@ -3436,7 +3435,7 @@
             <a:fld id="{57302355-E14B-8545-A8F8-0FE83CC9D524}" type="datetimeFigureOut">
               <a:rPr lang="en-US" dirty="0"/>
               <a:pPr/>
-              <a:t>6/13/2018</a:t>
+              <a:t>6/14/2018</a:t>
             </a:fld>
             <a:endParaRPr lang="en-US" dirty="0"/>
           </a:p>
@@ -3587,7 +3586,7 @@
           <a:ln/>
           <a:extLst>
             <a:ext uri="{91240B29-F687-4f45-9708-019B960494DF}">
-              <a14:hiddenLine xmlns:a14="http://schemas.microsoft.com/office/drawing/2010/main" xmlns="" w="9525">
+              <a14:hiddenLine xmlns="" xmlns:a14="http://schemas.microsoft.com/office/drawing/2010/main" w="9525">
                 <a:solidFill>
                   <a:srgbClr val="000000"/>
                 </a:solidFill>
@@ -3910,7 +3909,7 @@
             <a:fld id="{02640F58-564D-2B4F-AE67-E407BA4FCF45}" type="datetimeFigureOut">
               <a:rPr lang="en-US" dirty="0"/>
               <a:pPr/>
-              <a:t>6/13/2018</a:t>
+              <a:t>6/14/2018</a:t>
             </a:fld>
             <a:endParaRPr lang="en-US" dirty="0"/>
           </a:p>
@@ -4061,7 +4060,7 @@
           <a:ln/>
           <a:extLst>
             <a:ext uri="{91240B29-F687-4f45-9708-019B960494DF}">
-              <a14:hiddenLine xmlns:a14="http://schemas.microsoft.com/office/drawing/2010/main" xmlns="" w="9525">
+              <a14:hiddenLine xmlns="" xmlns:a14="http://schemas.microsoft.com/office/drawing/2010/main" w="9525">
                 <a:solidFill>
                   <a:srgbClr val="000000"/>
                 </a:solidFill>
@@ -4128,7 +4127,7 @@
             <a:fld id="{F13A34C8-038E-2045-AF43-DF7DBB8E0E9E}" type="datetimeFigureOut">
               <a:rPr lang="en-US" dirty="0"/>
               <a:pPr/>
-              <a:t>6/13/2018</a:t>
+              <a:t>6/14/2018</a:t>
             </a:fld>
             <a:endParaRPr lang="en-US" dirty="0"/>
           </a:p>
@@ -4220,7 +4219,7 @@
             <a:fld id="{8818C68F-D26B-8F47-958C-23B49CF8A634}" type="datetimeFigureOut">
               <a:rPr lang="en-US" dirty="0"/>
               <a:pPr/>
-              <a:t>6/13/2018</a:t>
+              <a:t>6/14/2018</a:t>
             </a:fld>
             <a:endParaRPr lang="en-US" dirty="0"/>
           </a:p>
@@ -4484,7 +4483,7 @@
           <a:ln/>
           <a:extLst>
             <a:ext uri="{91240B29-F687-4f45-9708-019B960494DF}">
-              <a14:hiddenLine xmlns:a14="http://schemas.microsoft.com/office/drawing/2010/main" xmlns="" w="9525">
+              <a14:hiddenLine xmlns="" xmlns:a14="http://schemas.microsoft.com/office/drawing/2010/main" w="9525">
                 <a:solidFill>
                   <a:srgbClr val="000000"/>
                 </a:solidFill>
@@ -4684,7 +4683,7 @@
             <a:fld id="{D0DF5E60-9974-AC48-9591-99C2BB44B7CF}" type="datetimeFigureOut">
               <a:rPr lang="en-US" dirty="0"/>
               <a:pPr/>
-              <a:t>6/13/2018</a:t>
+              <a:t>6/14/2018</a:t>
             </a:fld>
             <a:endParaRPr lang="en-US" dirty="0"/>
           </a:p>
@@ -4994,7 +4993,7 @@
             <a:fld id="{18C79C5D-2A6F-F04D-97DA-BEF2467B64E4}" type="datetimeFigureOut">
               <a:rPr lang="en-US" dirty="0"/>
               <a:pPr/>
-              <a:t>6/13/2018</a:t>
+              <a:t>6/14/2018</a:t>
             </a:fld>
             <a:endParaRPr lang="en-US" dirty="0"/>
           </a:p>
@@ -5261,7 +5260,7 @@
             <a:fld id="{09B482E8-6E0E-1B4F-B1FD-C69DB9E858D9}" type="datetimeFigureOut">
               <a:rPr lang="en-US" dirty="0"/>
               <a:pPr/>
-              <a:t>6/13/2018</a:t>
+              <a:t>6/14/2018</a:t>
             </a:fld>
             <a:endParaRPr lang="en-US" dirty="0"/>
           </a:p>
@@ -6100,126 +6099,6 @@
 </p:sld>
 </file>
 
-<file path=ppt/slides/slide10.xml><?xml version="1.0" encoding="utf-8"?>
-<p:sld xmlns:a="http://schemas.openxmlformats.org/drawingml/2006/main" xmlns:r="http://schemas.openxmlformats.org/officeDocument/2006/relationships" xmlns:p="http://schemas.openxmlformats.org/presentationml/2006/main">
-  <p:cSld>
-    <p:spTree>
-      <p:nvGrpSpPr>
-        <p:cNvPr id="1" name=""/>
-        <p:cNvGrpSpPr/>
-        <p:nvPr/>
-      </p:nvGrpSpPr>
-      <p:grpSpPr>
-        <a:xfrm>
-          <a:off x="0" y="0"/>
-          <a:ext cx="0" cy="0"/>
-          <a:chOff x="0" y="0"/>
-          <a:chExt cx="0" cy="0"/>
-        </a:xfrm>
-      </p:grpSpPr>
-      <p:sp>
-        <p:nvSpPr>
-          <p:cNvPr id="3" name="Bildplatzhalter 2">
-            <a:extLst>
-              <a:ext uri="{FF2B5EF4-FFF2-40B4-BE49-F238E27FC236}">
-                <a16:creationId xmlns:a16="http://schemas.microsoft.com/office/drawing/2014/main" id="{5CA332C7-F2F8-4910-A906-FF54708BE5FB}"/>
-              </a:ext>
-            </a:extLst>
-          </p:cNvPr>
-          <p:cNvSpPr>
-            <a:spLocks noGrp="1"/>
-          </p:cNvSpPr>
-          <p:nvPr>
-            <p:ph type="pic" sz="quarter" idx="13"/>
-          </p:nvPr>
-        </p:nvSpPr>
-        <p:spPr>
-          <a:xfrm>
-            <a:off x="0" y="0"/>
-            <a:ext cx="12192000" cy="3952568"/>
-          </a:xfrm>
-          <a:solidFill>
-            <a:schemeClr val="tx1"/>
-          </a:solidFill>
-        </p:spPr>
-      </p:sp>
-      <p:pic>
-        <p:nvPicPr>
-          <p:cNvPr id="6" name="Grafik 5">
-            <a:extLst>
-              <a:ext uri="{FF2B5EF4-FFF2-40B4-BE49-F238E27FC236}">
-                <a16:creationId xmlns:a16="http://schemas.microsoft.com/office/drawing/2014/main" id="{17EFF152-3793-41F4-A730-1DD1EC56C5E0}"/>
-              </a:ext>
-            </a:extLst>
-          </p:cNvPr>
-          <p:cNvPicPr>
-            <a:picLocks noChangeAspect="1"/>
-          </p:cNvPicPr>
-          <p:nvPr/>
-        </p:nvPicPr>
-        <p:blipFill>
-          <a:blip r:embed="rId2"/>
-          <a:stretch>
-            <a:fillRect/>
-          </a:stretch>
-        </p:blipFill>
-        <p:spPr>
-          <a:xfrm>
-            <a:off x="1798894" y="1238865"/>
-            <a:ext cx="7620000" cy="3019425"/>
-          </a:xfrm>
-          <a:prstGeom prst="rect">
-            <a:avLst/>
-          </a:prstGeom>
-        </p:spPr>
-      </p:pic>
-      <p:sp>
-        <p:nvSpPr>
-          <p:cNvPr id="4" name="Rechteck 3">
-            <a:extLst>
-              <a:ext uri="{FF2B5EF4-FFF2-40B4-BE49-F238E27FC236}">
-                <a16:creationId xmlns:a16="http://schemas.microsoft.com/office/drawing/2014/main" id="{24AEE91E-5BE4-440F-9263-DAD651FD8F61}"/>
-              </a:ext>
-            </a:extLst>
-          </p:cNvPr>
-          <p:cNvSpPr/>
-          <p:nvPr/>
-        </p:nvSpPr>
-        <p:spPr>
-          <a:xfrm>
-            <a:off x="9144371" y="6642556"/>
-            <a:ext cx="3047629" cy="215444"/>
-          </a:xfrm>
-          <a:prstGeom prst="rect">
-            <a:avLst/>
-          </a:prstGeom>
-        </p:spPr>
-        <p:txBody>
-          <a:bodyPr wrap="none">
-            <a:spAutoFit/>
-          </a:bodyPr>
-          <a:lstStyle/>
-          <a:p>
-            <a:r>
-              <a:rPr lang="en-GB" sz="800" dirty="0"/>
-              <a:t>Security icon: https://www.huddle.com/product/security/</a:t>
-            </a:r>
-          </a:p>
-        </p:txBody>
-      </p:sp>
-    </p:spTree>
-    <p:extLst>
-      <p:ext uri="{BB962C8B-B14F-4D97-AF65-F5344CB8AC3E}">
-        <p14:creationId xmlns:p14="http://schemas.microsoft.com/office/powerpoint/2010/main" val="523846063"/>
-      </p:ext>
-    </p:extLst>
-  </p:cSld>
-  <p:clrMapOvr>
-    <a:masterClrMapping/>
-  </p:clrMapOvr>
-</p:sld>
-</file>
-
 <file path=ppt/slides/slide2.xml><?xml version="1.0" encoding="utf-8"?>
 <p:sld xmlns:a="http://schemas.openxmlformats.org/drawingml/2006/main" xmlns:r="http://schemas.openxmlformats.org/officeDocument/2006/relationships" xmlns:p="http://schemas.openxmlformats.org/presentationml/2006/main">
   <p:cSld>
@@ -6613,85 +6492,6 @@
           </a:p>
         </p:txBody>
       </p:sp>
-      <p:sp>
-        <p:nvSpPr>
-          <p:cNvPr id="11" name="Pfeil: nach rechts 10">
-            <a:extLst>
-              <a:ext uri="{FF2B5EF4-FFF2-40B4-BE49-F238E27FC236}">
-                <a16:creationId xmlns:a16="http://schemas.microsoft.com/office/drawing/2014/main" id="{E2279DB1-D276-4650-A97E-80FD184D8F0A}"/>
-              </a:ext>
-            </a:extLst>
-          </p:cNvPr>
-          <p:cNvSpPr/>
-          <p:nvPr/>
-        </p:nvSpPr>
-        <p:spPr>
-          <a:xfrm>
-            <a:off x="538330" y="4573205"/>
-            <a:ext cx="543339" cy="274983"/>
-          </a:xfrm>
-          <a:prstGeom prst="rightArrow">
-            <a:avLst/>
-          </a:prstGeom>
-          <a:gradFill flip="none" rotWithShape="1">
-            <a:gsLst>
-              <a:gs pos="0">
-                <a:srgbClr val="980202"/>
-              </a:gs>
-              <a:gs pos="50000">
-                <a:srgbClr val="C11919">
-                  <a:shade val="67500"/>
-                  <a:satMod val="115000"/>
-                </a:srgbClr>
-              </a:gs>
-              <a:gs pos="100000">
-                <a:srgbClr val="C11919">
-                  <a:shade val="100000"/>
-                  <a:satMod val="115000"/>
-                </a:srgbClr>
-              </a:gs>
-            </a:gsLst>
-            <a:lin ang="0" scaled="1"/>
-            <a:tileRect/>
-          </a:gradFill>
-          <a:ln>
-            <a:solidFill>
-              <a:srgbClr val="C00000"/>
-            </a:solidFill>
-          </a:ln>
-          <a:effectLst>
-            <a:outerShdw blurRad="50800" dist="38100" dir="10800000" algn="r" rotWithShape="0">
-              <a:prstClr val="black">
-                <a:alpha val="40000"/>
-              </a:prstClr>
-            </a:outerShdw>
-          </a:effectLst>
-        </p:spPr>
-        <p:style>
-          <a:lnRef idx="2">
-            <a:schemeClr val="accent1">
-              <a:shade val="50000"/>
-            </a:schemeClr>
-          </a:lnRef>
-          <a:fillRef idx="1">
-            <a:schemeClr val="accent1"/>
-          </a:fillRef>
-          <a:effectRef idx="0">
-            <a:schemeClr val="accent1"/>
-          </a:effectRef>
-          <a:fontRef idx="minor">
-            <a:schemeClr val="lt1"/>
-          </a:fontRef>
-        </p:style>
-        <p:txBody>
-          <a:bodyPr rtlCol="0" anchor="ctr"/>
-          <a:lstStyle/>
-          <a:p>
-            <a:pPr algn="ctr"/>
-            <a:endParaRPr lang="en-GB"/>
-          </a:p>
-        </p:txBody>
-      </p:sp>
     </p:spTree>
     <p:extLst>
       <p:ext uri="{BB962C8B-B14F-4D97-AF65-F5344CB8AC3E}">
@@ -6771,6 +6571,33 @@
           <a:bodyPr/>
           <a:lstStyle/>
           <a:p>
+            <a:r>
+              <a:rPr lang="en-US" dirty="0"/>
+              <a:t>We hash our passwords with </a:t>
+            </a:r>
+            <a:r>
+              <a:rPr lang="en-US" b="1" dirty="0" err="1"/>
+              <a:t>bcrypt</a:t>
+            </a:r>
+            <a:r>
+              <a:rPr lang="en-US" dirty="0"/>
+              <a:t>.</a:t>
+            </a:r>
+          </a:p>
+          <a:p>
+            <a:r>
+              <a:rPr lang="en-US" b="1" dirty="0"/>
+              <a:t>TLS:</a:t>
+            </a:r>
+          </a:p>
+          <a:p>
+            <a:pPr lvl="1"/>
+            <a:r>
+              <a:rPr lang="en-US" dirty="0"/>
+              <a:t>We ensured data confidentiality and integrity by using TLS channels.</a:t>
+            </a:r>
+          </a:p>
+          <a:p>
             <a:endParaRPr lang="en-GB" b="1" dirty="0"/>
           </a:p>
         </p:txBody>
@@ -6810,125 +6637,6 @@
           <p:cNvPr id="2" name="Titel 1">
             <a:extLst>
               <a:ext uri="{FF2B5EF4-FFF2-40B4-BE49-F238E27FC236}">
-                <a16:creationId xmlns:a16="http://schemas.microsoft.com/office/drawing/2014/main" id="{458745C1-DAB4-45E0-B765-F8F275535B1E}"/>
-              </a:ext>
-            </a:extLst>
-          </p:cNvPr>
-          <p:cNvSpPr>
-            <a:spLocks noGrp="1"/>
-          </p:cNvSpPr>
-          <p:nvPr>
-            <p:ph type="title"/>
-          </p:nvPr>
-        </p:nvSpPr>
-        <p:spPr/>
-        <p:txBody>
-          <a:bodyPr/>
-          <a:lstStyle/>
-          <a:p>
-            <a:r>
-              <a:rPr lang="en-GB" dirty="0" err="1"/>
-              <a:t>Subresource</a:t>
-            </a:r>
-            <a:r>
-              <a:rPr lang="de-DE" dirty="0"/>
-              <a:t> Integrity (SRI)</a:t>
-            </a:r>
-            <a:endParaRPr lang="en-GB" dirty="0"/>
-          </a:p>
-        </p:txBody>
-      </p:sp>
-      <p:sp>
-        <p:nvSpPr>
-          <p:cNvPr id="3" name="Inhaltsplatzhalter 2">
-            <a:extLst>
-              <a:ext uri="{FF2B5EF4-FFF2-40B4-BE49-F238E27FC236}">
-                <a16:creationId xmlns:a16="http://schemas.microsoft.com/office/drawing/2014/main" id="{20AA9295-F9D7-4B4C-9776-B19D0C191BE6}"/>
-              </a:ext>
-            </a:extLst>
-          </p:cNvPr>
-          <p:cNvSpPr>
-            <a:spLocks noGrp="1"/>
-          </p:cNvSpPr>
-          <p:nvPr>
-            <p:ph idx="1"/>
-          </p:nvPr>
-        </p:nvSpPr>
-        <p:spPr/>
-        <p:txBody>
-          <a:bodyPr/>
-          <a:lstStyle/>
-          <a:p>
-            <a:r>
-              <a:rPr lang="en-GB" b="1" dirty="0" err="1"/>
-              <a:t>Subresource</a:t>
-            </a:r>
-            <a:r>
-              <a:rPr lang="de-DE" b="1" dirty="0"/>
-              <a:t> Integrity </a:t>
-            </a:r>
-            <a:r>
-              <a:rPr lang="en-GB" dirty="0"/>
-              <a:t>allows to ensure that resources hosted on third-party servers have not been tampered with.</a:t>
-            </a:r>
-          </a:p>
-          <a:p>
-            <a:r>
-              <a:rPr lang="de-DE" dirty="0"/>
-              <a:t>T</a:t>
-            </a:r>
-            <a:r>
-              <a:rPr lang="en-GB" dirty="0"/>
-              <a:t>hat guarantees that a resource hasn't changed since it was hashed by a web author.</a:t>
-            </a:r>
-          </a:p>
-          <a:p>
-            <a:r>
-              <a:rPr lang="de-DE" dirty="0"/>
-              <a:t>…</a:t>
-            </a:r>
-            <a:endParaRPr lang="en-GB" dirty="0"/>
-          </a:p>
-          <a:p>
-            <a:endParaRPr lang="en-GB" dirty="0"/>
-          </a:p>
-        </p:txBody>
-      </p:sp>
-    </p:spTree>
-    <p:extLst>
-      <p:ext uri="{BB962C8B-B14F-4D97-AF65-F5344CB8AC3E}">
-        <p14:creationId xmlns:p14="http://schemas.microsoft.com/office/powerpoint/2010/main" val="3470711036"/>
-      </p:ext>
-    </p:extLst>
-  </p:cSld>
-  <p:clrMapOvr>
-    <a:masterClrMapping/>
-  </p:clrMapOvr>
-</p:sld>
-</file>
-
-<file path=ppt/slides/slide5.xml><?xml version="1.0" encoding="utf-8"?>
-<p:sld xmlns:a="http://schemas.openxmlformats.org/drawingml/2006/main" xmlns:r="http://schemas.openxmlformats.org/officeDocument/2006/relationships" xmlns:p="http://schemas.openxmlformats.org/presentationml/2006/main">
-  <p:cSld>
-    <p:spTree>
-      <p:nvGrpSpPr>
-        <p:cNvPr id="1" name=""/>
-        <p:cNvGrpSpPr/>
-        <p:nvPr/>
-      </p:nvGrpSpPr>
-      <p:grpSpPr>
-        <a:xfrm>
-          <a:off x="0" y="0"/>
-          <a:ext cx="0" cy="0"/>
-          <a:chOff x="0" y="0"/>
-          <a:chExt cx="0" cy="0"/>
-        </a:xfrm>
-      </p:grpSpPr>
-      <p:sp>
-        <p:nvSpPr>
-          <p:cNvPr id="2" name="Titel 1">
-            <a:extLst>
-              <a:ext uri="{FF2B5EF4-FFF2-40B4-BE49-F238E27FC236}">
                 <a16:creationId xmlns:a16="http://schemas.microsoft.com/office/drawing/2014/main" id="{5BFB9C98-CEC9-40B5-9821-A65A30501A1D}"/>
               </a:ext>
             </a:extLst>
@@ -7022,7 +6730,7 @@
 </p:sld>
 </file>
 
-<file path=ppt/slides/slide6.xml><?xml version="1.0" encoding="utf-8"?>
+<file path=ppt/slides/slide5.xml><?xml version="1.0" encoding="utf-8"?>
 <p:sld xmlns:a="http://schemas.openxmlformats.org/drawingml/2006/main" xmlns:r="http://schemas.openxmlformats.org/officeDocument/2006/relationships" xmlns:p="http://schemas.openxmlformats.org/presentationml/2006/main">
   <p:cSld>
     <p:spTree>
@@ -7176,7 +6884,7 @@
 </p:sld>
 </file>
 
-<file path=ppt/slides/slide7.xml><?xml version="1.0" encoding="utf-8"?>
+<file path=ppt/slides/slide6.xml><?xml version="1.0" encoding="utf-8"?>
 <p:sld xmlns:a="http://schemas.openxmlformats.org/drawingml/2006/main" xmlns:r="http://schemas.openxmlformats.org/officeDocument/2006/relationships" xmlns:p="http://schemas.openxmlformats.org/presentationml/2006/main">
   <p:cSld>
     <p:spTree>
@@ -7350,6 +7058,94 @@
 </p:sld>
 </file>
 
+<file path=ppt/slides/slide7.xml><?xml version="1.0" encoding="utf-8"?>
+<p:sld xmlns:a="http://schemas.openxmlformats.org/drawingml/2006/main" xmlns:r="http://schemas.openxmlformats.org/officeDocument/2006/relationships" xmlns:p="http://schemas.openxmlformats.org/presentationml/2006/main">
+  <p:cSld>
+    <p:spTree>
+      <p:nvGrpSpPr>
+        <p:cNvPr id="1" name=""/>
+        <p:cNvGrpSpPr/>
+        <p:nvPr/>
+      </p:nvGrpSpPr>
+      <p:grpSpPr>
+        <a:xfrm>
+          <a:off x="0" y="0"/>
+          <a:ext cx="0" cy="0"/>
+          <a:chOff x="0" y="0"/>
+          <a:chExt cx="0" cy="0"/>
+        </a:xfrm>
+      </p:grpSpPr>
+      <p:sp>
+        <p:nvSpPr>
+          <p:cNvPr id="2" name="Titel 1">
+            <a:extLst>
+              <a:ext uri="{FF2B5EF4-FFF2-40B4-BE49-F238E27FC236}">
+                <a16:creationId xmlns:a16="http://schemas.microsoft.com/office/drawing/2014/main" id="{0027DE28-7CAA-44BF-BDD0-0A781C0C3579}"/>
+              </a:ext>
+            </a:extLst>
+          </p:cNvPr>
+          <p:cNvSpPr>
+            <a:spLocks noGrp="1"/>
+          </p:cNvSpPr>
+          <p:nvPr>
+            <p:ph type="title"/>
+          </p:nvPr>
+        </p:nvSpPr>
+        <p:spPr/>
+        <p:txBody>
+          <a:bodyPr/>
+          <a:lstStyle/>
+          <a:p>
+            <a:r>
+              <a:rPr lang="de-DE" dirty="0" err="1"/>
+              <a:t>Bruteforce</a:t>
+            </a:r>
+            <a:r>
+              <a:rPr lang="de-DE" dirty="0"/>
+              <a:t>…</a:t>
+            </a:r>
+            <a:endParaRPr lang="en-GB" dirty="0"/>
+          </a:p>
+        </p:txBody>
+      </p:sp>
+      <p:sp>
+        <p:nvSpPr>
+          <p:cNvPr id="3" name="Inhaltsplatzhalter 2">
+            <a:extLst>
+              <a:ext uri="{FF2B5EF4-FFF2-40B4-BE49-F238E27FC236}">
+                <a16:creationId xmlns:a16="http://schemas.microsoft.com/office/drawing/2014/main" id="{13AD1593-076F-4259-84F3-4EF6FAD476DC}"/>
+              </a:ext>
+            </a:extLst>
+          </p:cNvPr>
+          <p:cNvSpPr>
+            <a:spLocks noGrp="1"/>
+          </p:cNvSpPr>
+          <p:nvPr>
+            <p:ph idx="1"/>
+          </p:nvPr>
+        </p:nvSpPr>
+        <p:spPr/>
+        <p:txBody>
+          <a:bodyPr/>
+          <a:lstStyle/>
+          <a:p>
+            <a:endParaRPr lang="en-GB"/>
+          </a:p>
+        </p:txBody>
+      </p:sp>
+    </p:spTree>
+    <p:extLst>
+      <p:ext uri="{BB962C8B-B14F-4D97-AF65-F5344CB8AC3E}">
+        <p14:creationId xmlns:p14="http://schemas.microsoft.com/office/powerpoint/2010/main" val="3584708221"/>
+      </p:ext>
+    </p:extLst>
+  </p:cSld>
+  <p:clrMapOvr>
+    <a:masterClrMapping/>
+  </p:clrMapOvr>
+</p:sld>
+</file>
+
 <file path=ppt/slides/slide8.xml><?xml version="1.0" encoding="utf-8"?>
 <p:sld xmlns:a="http://schemas.openxmlformats.org/drawingml/2006/main" xmlns:r="http://schemas.openxmlformats.org/officeDocument/2006/relationships" xmlns:p="http://schemas.openxmlformats.org/presentationml/2006/main">
   <p:cSld>
@@ -7372,7 +7168,7 @@
           <p:cNvPr id="2" name="Titel 1">
             <a:extLst>
               <a:ext uri="{FF2B5EF4-FFF2-40B4-BE49-F238E27FC236}">
-                <a16:creationId xmlns:a16="http://schemas.microsoft.com/office/drawing/2014/main" id="{0027DE28-7CAA-44BF-BDD0-0A781C0C3579}"/>
+                <a16:creationId xmlns:a16="http://schemas.microsoft.com/office/drawing/2014/main" id="{9710CF07-43B8-4223-BA31-E7890804E015}"/>
               </a:ext>
             </a:extLst>
           </p:cNvPr>
@@ -7380,7 +7176,7 @@
             <a:spLocks noGrp="1"/>
           </p:cNvSpPr>
           <p:nvPr>
-            <p:ph type="title"/>
+            <p:ph type="ctrTitle"/>
           </p:nvPr>
         </p:nvSpPr>
         <p:spPr/>
@@ -7389,46 +7185,24 @@
           <a:lstStyle/>
           <a:p>
             <a:r>
-              <a:rPr lang="de-DE" dirty="0" err="1"/>
-              <a:t>Bruteforce</a:t>
-            </a:r>
-            <a:r>
-              <a:rPr lang="de-DE" dirty="0"/>
-              <a:t>…</a:t>
-            </a:r>
-            <a:endParaRPr lang="en-GB" dirty="0"/>
-          </a:p>
-        </p:txBody>
-      </p:sp>
-      <p:sp>
-        <p:nvSpPr>
-          <p:cNvPr id="3" name="Inhaltsplatzhalter 2">
-            <a:extLst>
-              <a:ext uri="{FF2B5EF4-FFF2-40B4-BE49-F238E27FC236}">
-                <a16:creationId xmlns:a16="http://schemas.microsoft.com/office/drawing/2014/main" id="{13AD1593-076F-4259-84F3-4EF6FAD476DC}"/>
-              </a:ext>
-            </a:extLst>
-          </p:cNvPr>
-          <p:cNvSpPr>
-            <a:spLocks noGrp="1"/>
-          </p:cNvSpPr>
-          <p:nvPr>
-            <p:ph idx="1"/>
-          </p:nvPr>
-        </p:nvSpPr>
-        <p:spPr/>
-        <p:txBody>
-          <a:bodyPr/>
-          <a:lstStyle/>
-          <a:p>
-            <a:endParaRPr lang="en-GB"/>
+              <a:rPr lang="en-GB" dirty="0">
+                <a:effectLst>
+                  <a:outerShdw blurRad="38100" dist="38100" dir="2700000" algn="tl">
+                    <a:srgbClr val="000000">
+                      <a:alpha val="43137"/>
+                    </a:srgbClr>
+                  </a:outerShdw>
+                </a:effectLst>
+              </a:rPr>
+              <a:t>Chat demonstration ?</a:t>
+            </a:r>
           </a:p>
         </p:txBody>
       </p:sp>
     </p:spTree>
     <p:extLst>
       <p:ext uri="{BB962C8B-B14F-4D97-AF65-F5344CB8AC3E}">
-        <p14:creationId xmlns:p14="http://schemas.microsoft.com/office/powerpoint/2010/main" val="3584708221"/>
+        <p14:creationId xmlns:p14="http://schemas.microsoft.com/office/powerpoint/2010/main" val="3863686215"/>
       </p:ext>
     </p:extLst>
   </p:cSld>
@@ -7457,10 +7231,10 @@
       </p:grpSpPr>
       <p:sp>
         <p:nvSpPr>
-          <p:cNvPr id="2" name="Titel 1">
+          <p:cNvPr id="3" name="Bildplatzhalter 2">
             <a:extLst>
               <a:ext uri="{FF2B5EF4-FFF2-40B4-BE49-F238E27FC236}">
-                <a16:creationId xmlns:a16="http://schemas.microsoft.com/office/drawing/2014/main" id="{9710CF07-43B8-4223-BA31-E7890804E015}"/>
+                <a16:creationId xmlns:a16="http://schemas.microsoft.com/office/drawing/2014/main" id="{5CA332C7-F2F8-4910-A906-FF54708BE5FB}"/>
               </a:ext>
             </a:extLst>
           </p:cNvPr>
@@ -7468,25 +7242,79 @@
             <a:spLocks noGrp="1"/>
           </p:cNvSpPr>
           <p:nvPr>
-            <p:ph type="ctrTitle"/>
-          </p:nvPr>
-        </p:nvSpPr>
-        <p:spPr/>
-        <p:txBody>
-          <a:bodyPr/>
+            <p:ph type="pic" sz="quarter" idx="13"/>
+          </p:nvPr>
+        </p:nvSpPr>
+        <p:spPr>
+          <a:xfrm>
+            <a:off x="0" y="0"/>
+            <a:ext cx="12192000" cy="3952568"/>
+          </a:xfrm>
+          <a:solidFill>
+            <a:schemeClr val="tx1"/>
+          </a:solidFill>
+        </p:spPr>
+      </p:sp>
+      <p:pic>
+        <p:nvPicPr>
+          <p:cNvPr id="6" name="Grafik 5">
+            <a:extLst>
+              <a:ext uri="{FF2B5EF4-FFF2-40B4-BE49-F238E27FC236}">
+                <a16:creationId xmlns:a16="http://schemas.microsoft.com/office/drawing/2014/main" id="{17EFF152-3793-41F4-A730-1DD1EC56C5E0}"/>
+              </a:ext>
+            </a:extLst>
+          </p:cNvPr>
+          <p:cNvPicPr>
+            <a:picLocks noChangeAspect="1"/>
+          </p:cNvPicPr>
+          <p:nvPr/>
+        </p:nvPicPr>
+        <p:blipFill>
+          <a:blip r:embed="rId2"/>
+          <a:stretch>
+            <a:fillRect/>
+          </a:stretch>
+        </p:blipFill>
+        <p:spPr>
+          <a:xfrm>
+            <a:off x="1798894" y="1238865"/>
+            <a:ext cx="7620000" cy="3019425"/>
+          </a:xfrm>
+          <a:prstGeom prst="rect">
+            <a:avLst/>
+          </a:prstGeom>
+        </p:spPr>
+      </p:pic>
+      <p:sp>
+        <p:nvSpPr>
+          <p:cNvPr id="4" name="Rechteck 3">
+            <a:extLst>
+              <a:ext uri="{FF2B5EF4-FFF2-40B4-BE49-F238E27FC236}">
+                <a16:creationId xmlns:a16="http://schemas.microsoft.com/office/drawing/2014/main" id="{24AEE91E-5BE4-440F-9263-DAD651FD8F61}"/>
+              </a:ext>
+            </a:extLst>
+          </p:cNvPr>
+          <p:cNvSpPr/>
+          <p:nvPr/>
+        </p:nvSpPr>
+        <p:spPr>
+          <a:xfrm>
+            <a:off x="9144371" y="6642556"/>
+            <a:ext cx="3047629" cy="215444"/>
+          </a:xfrm>
+          <a:prstGeom prst="rect">
+            <a:avLst/>
+          </a:prstGeom>
+        </p:spPr>
+        <p:txBody>
+          <a:bodyPr wrap="none">
+            <a:spAutoFit/>
+          </a:bodyPr>
           <a:lstStyle/>
           <a:p>
             <a:r>
-              <a:rPr lang="en-GB" dirty="0">
-                <a:effectLst>
-                  <a:outerShdw blurRad="38100" dist="38100" dir="2700000" algn="tl">
-                    <a:srgbClr val="000000">
-                      <a:alpha val="43137"/>
-                    </a:srgbClr>
-                  </a:outerShdw>
-                </a:effectLst>
-              </a:rPr>
-              <a:t>Chat demonstration ?</a:t>
+              <a:rPr lang="en-GB" sz="800" dirty="0"/>
+              <a:t>Security icon: https://www.huddle.com/product/security/</a:t>
             </a:r>
           </a:p>
         </p:txBody>
@@ -7494,7 +7322,7 @@
     </p:spTree>
     <p:extLst>
       <p:ext uri="{BB962C8B-B14F-4D97-AF65-F5344CB8AC3E}">
-        <p14:creationId xmlns:p14="http://schemas.microsoft.com/office/powerpoint/2010/main" val="3863686215"/>
+        <p14:creationId xmlns:p14="http://schemas.microsoft.com/office/powerpoint/2010/main" val="523846063"/>
       </p:ext>
     </p:extLst>
   </p:cSld>

--- a/Presentation3/MarijaBelova752684_Jan-PatrickKirchner742143_FelixHennig752734.pptx
+++ b/Presentation3/MarijaBelova752684_Jan-PatrickKirchner742143_FelixHennig752734.pptx
@@ -5,18 +5,19 @@
     <p:sldMasterId id="2147483648" r:id="rId1"/>
   </p:sldMasterIdLst>
   <p:notesMasterIdLst>
-    <p:notesMasterId r:id="rId11"/>
+    <p:notesMasterId r:id="rId12"/>
   </p:notesMasterIdLst>
   <p:sldIdLst>
     <p:sldId id="256" r:id="rId2"/>
     <p:sldId id="279" r:id="rId3"/>
     <p:sldId id="280" r:id="rId4"/>
-    <p:sldId id="282" r:id="rId5"/>
-    <p:sldId id="283" r:id="rId6"/>
-    <p:sldId id="284" r:id="rId7"/>
-    <p:sldId id="285" r:id="rId8"/>
-    <p:sldId id="272" r:id="rId9"/>
-    <p:sldId id="275" r:id="rId10"/>
+    <p:sldId id="281" r:id="rId5"/>
+    <p:sldId id="282" r:id="rId6"/>
+    <p:sldId id="283" r:id="rId7"/>
+    <p:sldId id="284" r:id="rId8"/>
+    <p:sldId id="285" r:id="rId9"/>
+    <p:sldId id="272" r:id="rId10"/>
+    <p:sldId id="275" r:id="rId11"/>
   </p:sldIdLst>
   <p:sldSz cx="12192000" cy="6858000"/>
   <p:notesSz cx="6858000" cy="9144000"/>
@@ -205,7 +206,7 @@
           <a:p>
             <a:fld id="{3D62CC3F-D9C2-4EE2-8213-158359FA7994}" type="datetimeFigureOut">
               <a:rPr lang="en-GB" smtClean="0"/>
-              <a:t>14/06/2018</a:t>
+              <a:t>13/06/2018</a:t>
             </a:fld>
             <a:endParaRPr lang="en-GB"/>
           </a:p>
@@ -568,7 +569,7 @@
           <a:effectLst/>
           <a:extLst>
             <a:ext uri="{91240B29-F687-4f45-9708-019B960494DF}">
-              <a14:hiddenLine xmlns="" xmlns:a14="http://schemas.microsoft.com/office/drawing/2010/main" w="9525">
+              <a14:hiddenLine xmlns:a14="http://schemas.microsoft.com/office/drawing/2010/main" xmlns="" w="9525">
                 <a:solidFill>
                   <a:srgbClr val="000000"/>
                 </a:solidFill>
@@ -761,7 +762,7 @@
             <a:fld id="{08B9EBBA-996F-894A-B54A-D6246ED52CEA}" type="datetimeFigureOut">
               <a:rPr lang="en-US" dirty="0"/>
               <a:pPr/>
-              <a:t>6/14/2018</a:t>
+              <a:t>6/13/2018</a:t>
             </a:fld>
             <a:endParaRPr lang="en-US" dirty="0"/>
           </a:p>
@@ -1076,7 +1077,7 @@
             <a:fld id="{18C79C5D-2A6F-F04D-97DA-BEF2467B64E4}" type="datetimeFigureOut">
               <a:rPr lang="en-US" dirty="0"/>
               <a:pPr/>
-              <a:t>6/14/2018</a:t>
+              <a:t>6/13/2018</a:t>
             </a:fld>
             <a:endParaRPr lang="en-US" dirty="0"/>
           </a:p>
@@ -1561,7 +1562,7 @@
             <a:fld id="{8DFA1846-DA80-1C48-A609-854EA85C59AD}" type="datetimeFigureOut">
               <a:rPr lang="en-US" dirty="0"/>
               <a:pPr/>
-              <a:t>6/14/2018</a:t>
+              <a:t>6/13/2018</a:t>
             </a:fld>
             <a:endParaRPr lang="en-US" dirty="0"/>
           </a:p>
@@ -1927,7 +1928,7 @@
             <a:fld id="{FBF54567-0DE4-3F47-BF90-CB84690072F9}" type="datetimeFigureOut">
               <a:rPr lang="en-US" dirty="0"/>
               <a:pPr/>
-              <a:t>6/14/2018</a:t>
+              <a:t>6/13/2018</a:t>
             </a:fld>
             <a:endParaRPr lang="en-US" dirty="0"/>
           </a:p>
@@ -2078,7 +2079,7 @@
           <a:ln/>
           <a:extLst>
             <a:ext uri="{91240B29-F687-4f45-9708-019B960494DF}">
-              <a14:hiddenLine xmlns="" xmlns:a14="http://schemas.microsoft.com/office/drawing/2010/main" w="9525">
+              <a14:hiddenLine xmlns:a14="http://schemas.microsoft.com/office/drawing/2010/main" xmlns="" w="9525">
                 <a:solidFill>
                   <a:srgbClr val="000000"/>
                 </a:solidFill>
@@ -2197,7 +2198,7 @@
             <a:fld id="{C6C52C72-DE31-F449-A4ED-4C594FD91407}" type="datetimeFigureOut">
               <a:rPr lang="en-US" dirty="0"/>
               <a:pPr/>
-              <a:t>6/14/2018</a:t>
+              <a:t>6/13/2018</a:t>
             </a:fld>
             <a:endParaRPr lang="en-US" dirty="0"/>
           </a:p>
@@ -2350,7 +2351,7 @@
           <a:ln/>
           <a:extLst>
             <a:ext uri="{91240B29-F687-4f45-9708-019B960494DF}">
-              <a14:hiddenLine xmlns="" xmlns:a14="http://schemas.microsoft.com/office/drawing/2010/main" w="9525">
+              <a14:hiddenLine xmlns:a14="http://schemas.microsoft.com/office/drawing/2010/main" xmlns="" w="9525">
                 <a:solidFill>
                   <a:srgbClr val="000000"/>
                 </a:solidFill>
@@ -2479,7 +2480,7 @@
             <a:fld id="{ED62726E-379B-B349-9EED-81ED093FA806}" type="datetimeFigureOut">
               <a:rPr lang="en-US" dirty="0"/>
               <a:pPr/>
-              <a:t>6/14/2018</a:t>
+              <a:t>6/13/2018</a:t>
             </a:fld>
             <a:endParaRPr lang="en-US" dirty="0"/>
           </a:p>
@@ -2630,7 +2631,7 @@
           <a:ln/>
           <a:extLst>
             <a:ext uri="{91240B29-F687-4f45-9708-019B960494DF}">
-              <a14:hiddenLine xmlns="" xmlns:a14="http://schemas.microsoft.com/office/drawing/2010/main" w="9525">
+              <a14:hiddenLine xmlns:a14="http://schemas.microsoft.com/office/drawing/2010/main" xmlns="" w="9525">
                 <a:solidFill>
                   <a:srgbClr val="000000"/>
                 </a:solidFill>
@@ -2759,7 +2760,7 @@
             <a:fld id="{9B3A1323-8D79-1946-B0D7-40001CF92E9D}" type="datetimeFigureOut">
               <a:rPr lang="en-US" dirty="0"/>
               <a:pPr/>
-              <a:t>6/14/2018</a:t>
+              <a:t>6/13/2018</a:t>
             </a:fld>
             <a:endParaRPr lang="en-US" dirty="0"/>
           </a:p>
@@ -3099,7 +3100,7 @@
             <a:fld id="{8DFA1846-DA80-1C48-A609-854EA85C59AD}" type="datetimeFigureOut">
               <a:rPr lang="en-US" dirty="0"/>
               <a:pPr/>
-              <a:t>6/14/2018</a:t>
+              <a:t>6/13/2018</a:t>
             </a:fld>
             <a:endParaRPr lang="en-US" dirty="0"/>
           </a:p>
@@ -3250,7 +3251,7 @@
           <a:ln/>
           <a:extLst>
             <a:ext uri="{91240B29-F687-4f45-9708-019B960494DF}">
-              <a14:hiddenLine xmlns="" xmlns:a14="http://schemas.microsoft.com/office/drawing/2010/main" w="9525">
+              <a14:hiddenLine xmlns:a14="http://schemas.microsoft.com/office/drawing/2010/main" xmlns="" w="9525">
                 <a:solidFill>
                   <a:srgbClr val="000000"/>
                 </a:solidFill>
@@ -3435,7 +3436,7 @@
             <a:fld id="{57302355-E14B-8545-A8F8-0FE83CC9D524}" type="datetimeFigureOut">
               <a:rPr lang="en-US" dirty="0"/>
               <a:pPr/>
-              <a:t>6/14/2018</a:t>
+              <a:t>6/13/2018</a:t>
             </a:fld>
             <a:endParaRPr lang="en-US" dirty="0"/>
           </a:p>
@@ -3586,7 +3587,7 @@
           <a:ln/>
           <a:extLst>
             <a:ext uri="{91240B29-F687-4f45-9708-019B960494DF}">
-              <a14:hiddenLine xmlns="" xmlns:a14="http://schemas.microsoft.com/office/drawing/2010/main" w="9525">
+              <a14:hiddenLine xmlns:a14="http://schemas.microsoft.com/office/drawing/2010/main" xmlns="" w="9525">
                 <a:solidFill>
                   <a:srgbClr val="000000"/>
                 </a:solidFill>
@@ -3909,7 +3910,7 @@
             <a:fld id="{02640F58-564D-2B4F-AE67-E407BA4FCF45}" type="datetimeFigureOut">
               <a:rPr lang="en-US" dirty="0"/>
               <a:pPr/>
-              <a:t>6/14/2018</a:t>
+              <a:t>6/13/2018</a:t>
             </a:fld>
             <a:endParaRPr lang="en-US" dirty="0"/>
           </a:p>
@@ -4060,7 +4061,7 @@
           <a:ln/>
           <a:extLst>
             <a:ext uri="{91240B29-F687-4f45-9708-019B960494DF}">
-              <a14:hiddenLine xmlns="" xmlns:a14="http://schemas.microsoft.com/office/drawing/2010/main" w="9525">
+              <a14:hiddenLine xmlns:a14="http://schemas.microsoft.com/office/drawing/2010/main" xmlns="" w="9525">
                 <a:solidFill>
                   <a:srgbClr val="000000"/>
                 </a:solidFill>
@@ -4127,7 +4128,7 @@
             <a:fld id="{F13A34C8-038E-2045-AF43-DF7DBB8E0E9E}" type="datetimeFigureOut">
               <a:rPr lang="en-US" dirty="0"/>
               <a:pPr/>
-              <a:t>6/14/2018</a:t>
+              <a:t>6/13/2018</a:t>
             </a:fld>
             <a:endParaRPr lang="en-US" dirty="0"/>
           </a:p>
@@ -4219,7 +4220,7 @@
             <a:fld id="{8818C68F-D26B-8F47-958C-23B49CF8A634}" type="datetimeFigureOut">
               <a:rPr lang="en-US" dirty="0"/>
               <a:pPr/>
-              <a:t>6/14/2018</a:t>
+              <a:t>6/13/2018</a:t>
             </a:fld>
             <a:endParaRPr lang="en-US" dirty="0"/>
           </a:p>
@@ -4483,7 +4484,7 @@
           <a:ln/>
           <a:extLst>
             <a:ext uri="{91240B29-F687-4f45-9708-019B960494DF}">
-              <a14:hiddenLine xmlns="" xmlns:a14="http://schemas.microsoft.com/office/drawing/2010/main" w="9525">
+              <a14:hiddenLine xmlns:a14="http://schemas.microsoft.com/office/drawing/2010/main" xmlns="" w="9525">
                 <a:solidFill>
                   <a:srgbClr val="000000"/>
                 </a:solidFill>
@@ -4683,7 +4684,7 @@
             <a:fld id="{D0DF5E60-9974-AC48-9591-99C2BB44B7CF}" type="datetimeFigureOut">
               <a:rPr lang="en-US" dirty="0"/>
               <a:pPr/>
-              <a:t>6/14/2018</a:t>
+              <a:t>6/13/2018</a:t>
             </a:fld>
             <a:endParaRPr lang="en-US" dirty="0"/>
           </a:p>
@@ -4993,7 +4994,7 @@
             <a:fld id="{18C79C5D-2A6F-F04D-97DA-BEF2467B64E4}" type="datetimeFigureOut">
               <a:rPr lang="en-US" dirty="0"/>
               <a:pPr/>
-              <a:t>6/14/2018</a:t>
+              <a:t>6/13/2018</a:t>
             </a:fld>
             <a:endParaRPr lang="en-US" dirty="0"/>
           </a:p>
@@ -5260,7 +5261,7 @@
             <a:fld id="{09B482E8-6E0E-1B4F-B1FD-C69DB9E858D9}" type="datetimeFigureOut">
               <a:rPr lang="en-US" dirty="0"/>
               <a:pPr/>
-              <a:t>6/14/2018</a:t>
+              <a:t>6/13/2018</a:t>
             </a:fld>
             <a:endParaRPr lang="en-US" dirty="0"/>
           </a:p>
@@ -6099,6 +6100,126 @@
 </p:sld>
 </file>
 
+<file path=ppt/slides/slide10.xml><?xml version="1.0" encoding="utf-8"?>
+<p:sld xmlns:a="http://schemas.openxmlformats.org/drawingml/2006/main" xmlns:r="http://schemas.openxmlformats.org/officeDocument/2006/relationships" xmlns:p="http://schemas.openxmlformats.org/presentationml/2006/main">
+  <p:cSld>
+    <p:spTree>
+      <p:nvGrpSpPr>
+        <p:cNvPr id="1" name=""/>
+        <p:cNvGrpSpPr/>
+        <p:nvPr/>
+      </p:nvGrpSpPr>
+      <p:grpSpPr>
+        <a:xfrm>
+          <a:off x="0" y="0"/>
+          <a:ext cx="0" cy="0"/>
+          <a:chOff x="0" y="0"/>
+          <a:chExt cx="0" cy="0"/>
+        </a:xfrm>
+      </p:grpSpPr>
+      <p:sp>
+        <p:nvSpPr>
+          <p:cNvPr id="3" name="Bildplatzhalter 2">
+            <a:extLst>
+              <a:ext uri="{FF2B5EF4-FFF2-40B4-BE49-F238E27FC236}">
+                <a16:creationId xmlns:a16="http://schemas.microsoft.com/office/drawing/2014/main" id="{5CA332C7-F2F8-4910-A906-FF54708BE5FB}"/>
+              </a:ext>
+            </a:extLst>
+          </p:cNvPr>
+          <p:cNvSpPr>
+            <a:spLocks noGrp="1"/>
+          </p:cNvSpPr>
+          <p:nvPr>
+            <p:ph type="pic" sz="quarter" idx="13"/>
+          </p:nvPr>
+        </p:nvSpPr>
+        <p:spPr>
+          <a:xfrm>
+            <a:off x="0" y="0"/>
+            <a:ext cx="12192000" cy="3952568"/>
+          </a:xfrm>
+          <a:solidFill>
+            <a:schemeClr val="tx1"/>
+          </a:solidFill>
+        </p:spPr>
+      </p:sp>
+      <p:pic>
+        <p:nvPicPr>
+          <p:cNvPr id="6" name="Grafik 5">
+            <a:extLst>
+              <a:ext uri="{FF2B5EF4-FFF2-40B4-BE49-F238E27FC236}">
+                <a16:creationId xmlns:a16="http://schemas.microsoft.com/office/drawing/2014/main" id="{17EFF152-3793-41F4-A730-1DD1EC56C5E0}"/>
+              </a:ext>
+            </a:extLst>
+          </p:cNvPr>
+          <p:cNvPicPr>
+            <a:picLocks noChangeAspect="1"/>
+          </p:cNvPicPr>
+          <p:nvPr/>
+        </p:nvPicPr>
+        <p:blipFill>
+          <a:blip r:embed="rId2"/>
+          <a:stretch>
+            <a:fillRect/>
+          </a:stretch>
+        </p:blipFill>
+        <p:spPr>
+          <a:xfrm>
+            <a:off x="1798894" y="1238865"/>
+            <a:ext cx="7620000" cy="3019425"/>
+          </a:xfrm>
+          <a:prstGeom prst="rect">
+            <a:avLst/>
+          </a:prstGeom>
+        </p:spPr>
+      </p:pic>
+      <p:sp>
+        <p:nvSpPr>
+          <p:cNvPr id="4" name="Rechteck 3">
+            <a:extLst>
+              <a:ext uri="{FF2B5EF4-FFF2-40B4-BE49-F238E27FC236}">
+                <a16:creationId xmlns:a16="http://schemas.microsoft.com/office/drawing/2014/main" id="{24AEE91E-5BE4-440F-9263-DAD651FD8F61}"/>
+              </a:ext>
+            </a:extLst>
+          </p:cNvPr>
+          <p:cNvSpPr/>
+          <p:nvPr/>
+        </p:nvSpPr>
+        <p:spPr>
+          <a:xfrm>
+            <a:off x="9144371" y="6642556"/>
+            <a:ext cx="3047629" cy="215444"/>
+          </a:xfrm>
+          <a:prstGeom prst="rect">
+            <a:avLst/>
+          </a:prstGeom>
+        </p:spPr>
+        <p:txBody>
+          <a:bodyPr wrap="none">
+            <a:spAutoFit/>
+          </a:bodyPr>
+          <a:lstStyle/>
+          <a:p>
+            <a:r>
+              <a:rPr lang="en-GB" sz="800" dirty="0"/>
+              <a:t>Security icon: https://www.huddle.com/product/security/</a:t>
+            </a:r>
+          </a:p>
+        </p:txBody>
+      </p:sp>
+    </p:spTree>
+    <p:extLst>
+      <p:ext uri="{BB962C8B-B14F-4D97-AF65-F5344CB8AC3E}">
+        <p14:creationId xmlns:p14="http://schemas.microsoft.com/office/powerpoint/2010/main" val="523846063"/>
+      </p:ext>
+    </p:extLst>
+  </p:cSld>
+  <p:clrMapOvr>
+    <a:masterClrMapping/>
+  </p:clrMapOvr>
+</p:sld>
+</file>
+
 <file path=ppt/slides/slide2.xml><?xml version="1.0" encoding="utf-8"?>
 <p:sld xmlns:a="http://schemas.openxmlformats.org/drawingml/2006/main" xmlns:r="http://schemas.openxmlformats.org/officeDocument/2006/relationships" xmlns:p="http://schemas.openxmlformats.org/presentationml/2006/main">
   <p:cSld>
@@ -6492,6 +6613,85 @@
           </a:p>
         </p:txBody>
       </p:sp>
+      <p:sp>
+        <p:nvSpPr>
+          <p:cNvPr id="11" name="Pfeil: nach rechts 10">
+            <a:extLst>
+              <a:ext uri="{FF2B5EF4-FFF2-40B4-BE49-F238E27FC236}">
+                <a16:creationId xmlns:a16="http://schemas.microsoft.com/office/drawing/2014/main" id="{E2279DB1-D276-4650-A97E-80FD184D8F0A}"/>
+              </a:ext>
+            </a:extLst>
+          </p:cNvPr>
+          <p:cNvSpPr/>
+          <p:nvPr/>
+        </p:nvSpPr>
+        <p:spPr>
+          <a:xfrm>
+            <a:off x="538330" y="4573205"/>
+            <a:ext cx="543339" cy="274983"/>
+          </a:xfrm>
+          <a:prstGeom prst="rightArrow">
+            <a:avLst/>
+          </a:prstGeom>
+          <a:gradFill flip="none" rotWithShape="1">
+            <a:gsLst>
+              <a:gs pos="0">
+                <a:srgbClr val="980202"/>
+              </a:gs>
+              <a:gs pos="50000">
+                <a:srgbClr val="C11919">
+                  <a:shade val="67500"/>
+                  <a:satMod val="115000"/>
+                </a:srgbClr>
+              </a:gs>
+              <a:gs pos="100000">
+                <a:srgbClr val="C11919">
+                  <a:shade val="100000"/>
+                  <a:satMod val="115000"/>
+                </a:srgbClr>
+              </a:gs>
+            </a:gsLst>
+            <a:lin ang="0" scaled="1"/>
+            <a:tileRect/>
+          </a:gradFill>
+          <a:ln>
+            <a:solidFill>
+              <a:srgbClr val="C00000"/>
+            </a:solidFill>
+          </a:ln>
+          <a:effectLst>
+            <a:outerShdw blurRad="50800" dist="38100" dir="10800000" algn="r" rotWithShape="0">
+              <a:prstClr val="black">
+                <a:alpha val="40000"/>
+              </a:prstClr>
+            </a:outerShdw>
+          </a:effectLst>
+        </p:spPr>
+        <p:style>
+          <a:lnRef idx="2">
+            <a:schemeClr val="accent1">
+              <a:shade val="50000"/>
+            </a:schemeClr>
+          </a:lnRef>
+          <a:fillRef idx="1">
+            <a:schemeClr val="accent1"/>
+          </a:fillRef>
+          <a:effectRef idx="0">
+            <a:schemeClr val="accent1"/>
+          </a:effectRef>
+          <a:fontRef idx="minor">
+            <a:schemeClr val="lt1"/>
+          </a:fontRef>
+        </p:style>
+        <p:txBody>
+          <a:bodyPr rtlCol="0" anchor="ctr"/>
+          <a:lstStyle/>
+          <a:p>
+            <a:pPr algn="ctr"/>
+            <a:endParaRPr lang="en-GB"/>
+          </a:p>
+        </p:txBody>
+      </p:sp>
     </p:spTree>
     <p:extLst>
       <p:ext uri="{BB962C8B-B14F-4D97-AF65-F5344CB8AC3E}">
@@ -6571,33 +6771,6 @@
           <a:bodyPr/>
           <a:lstStyle/>
           <a:p>
-            <a:r>
-              <a:rPr lang="en-US" dirty="0"/>
-              <a:t>We hash our passwords with </a:t>
-            </a:r>
-            <a:r>
-              <a:rPr lang="en-US" b="1" dirty="0" err="1"/>
-              <a:t>bcrypt</a:t>
-            </a:r>
-            <a:r>
-              <a:rPr lang="en-US" dirty="0"/>
-              <a:t>.</a:t>
-            </a:r>
-          </a:p>
-          <a:p>
-            <a:r>
-              <a:rPr lang="en-US" b="1" dirty="0"/>
-              <a:t>TLS:</a:t>
-            </a:r>
-          </a:p>
-          <a:p>
-            <a:pPr lvl="1"/>
-            <a:r>
-              <a:rPr lang="en-US" dirty="0"/>
-              <a:t>We ensured data confidentiality and integrity by using TLS channels.</a:t>
-            </a:r>
-          </a:p>
-          <a:p>
             <a:endParaRPr lang="en-GB" b="1" dirty="0"/>
           </a:p>
         </p:txBody>
@@ -6637,6 +6810,125 @@
           <p:cNvPr id="2" name="Titel 1">
             <a:extLst>
               <a:ext uri="{FF2B5EF4-FFF2-40B4-BE49-F238E27FC236}">
+                <a16:creationId xmlns:a16="http://schemas.microsoft.com/office/drawing/2014/main" id="{458745C1-DAB4-45E0-B765-F8F275535B1E}"/>
+              </a:ext>
+            </a:extLst>
+          </p:cNvPr>
+          <p:cNvSpPr>
+            <a:spLocks noGrp="1"/>
+          </p:cNvSpPr>
+          <p:nvPr>
+            <p:ph type="title"/>
+          </p:nvPr>
+        </p:nvSpPr>
+        <p:spPr/>
+        <p:txBody>
+          <a:bodyPr/>
+          <a:lstStyle/>
+          <a:p>
+            <a:r>
+              <a:rPr lang="en-GB" dirty="0" err="1"/>
+              <a:t>Subresource</a:t>
+            </a:r>
+            <a:r>
+              <a:rPr lang="de-DE" dirty="0"/>
+              <a:t> Integrity (SRI)</a:t>
+            </a:r>
+            <a:endParaRPr lang="en-GB" dirty="0"/>
+          </a:p>
+        </p:txBody>
+      </p:sp>
+      <p:sp>
+        <p:nvSpPr>
+          <p:cNvPr id="3" name="Inhaltsplatzhalter 2">
+            <a:extLst>
+              <a:ext uri="{FF2B5EF4-FFF2-40B4-BE49-F238E27FC236}">
+                <a16:creationId xmlns:a16="http://schemas.microsoft.com/office/drawing/2014/main" id="{20AA9295-F9D7-4B4C-9776-B19D0C191BE6}"/>
+              </a:ext>
+            </a:extLst>
+          </p:cNvPr>
+          <p:cNvSpPr>
+            <a:spLocks noGrp="1"/>
+          </p:cNvSpPr>
+          <p:nvPr>
+            <p:ph idx="1"/>
+          </p:nvPr>
+        </p:nvSpPr>
+        <p:spPr/>
+        <p:txBody>
+          <a:bodyPr/>
+          <a:lstStyle/>
+          <a:p>
+            <a:r>
+              <a:rPr lang="en-GB" b="1" dirty="0" err="1"/>
+              <a:t>Subresource</a:t>
+            </a:r>
+            <a:r>
+              <a:rPr lang="de-DE" b="1" dirty="0"/>
+              <a:t> Integrity </a:t>
+            </a:r>
+            <a:r>
+              <a:rPr lang="en-GB" dirty="0"/>
+              <a:t>allows to ensure that resources hosted on third-party servers have not been tampered with.</a:t>
+            </a:r>
+          </a:p>
+          <a:p>
+            <a:r>
+              <a:rPr lang="de-DE" dirty="0"/>
+              <a:t>T</a:t>
+            </a:r>
+            <a:r>
+              <a:rPr lang="en-GB" dirty="0"/>
+              <a:t>hat guarantees that a resource hasn't changed since it was hashed by a web author.</a:t>
+            </a:r>
+          </a:p>
+          <a:p>
+            <a:r>
+              <a:rPr lang="de-DE" dirty="0"/>
+              <a:t>…</a:t>
+            </a:r>
+            <a:endParaRPr lang="en-GB" dirty="0"/>
+          </a:p>
+          <a:p>
+            <a:endParaRPr lang="en-GB" dirty="0"/>
+          </a:p>
+        </p:txBody>
+      </p:sp>
+    </p:spTree>
+    <p:extLst>
+      <p:ext uri="{BB962C8B-B14F-4D97-AF65-F5344CB8AC3E}">
+        <p14:creationId xmlns:p14="http://schemas.microsoft.com/office/powerpoint/2010/main" val="3470711036"/>
+      </p:ext>
+    </p:extLst>
+  </p:cSld>
+  <p:clrMapOvr>
+    <a:masterClrMapping/>
+  </p:clrMapOvr>
+</p:sld>
+</file>
+
+<file path=ppt/slides/slide5.xml><?xml version="1.0" encoding="utf-8"?>
+<p:sld xmlns:a="http://schemas.openxmlformats.org/drawingml/2006/main" xmlns:r="http://schemas.openxmlformats.org/officeDocument/2006/relationships" xmlns:p="http://schemas.openxmlformats.org/presentationml/2006/main">
+  <p:cSld>
+    <p:spTree>
+      <p:nvGrpSpPr>
+        <p:cNvPr id="1" name=""/>
+        <p:cNvGrpSpPr/>
+        <p:nvPr/>
+      </p:nvGrpSpPr>
+      <p:grpSpPr>
+        <a:xfrm>
+          <a:off x="0" y="0"/>
+          <a:ext cx="0" cy="0"/>
+          <a:chOff x="0" y="0"/>
+          <a:chExt cx="0" cy="0"/>
+        </a:xfrm>
+      </p:grpSpPr>
+      <p:sp>
+        <p:nvSpPr>
+          <p:cNvPr id="2" name="Titel 1">
+            <a:extLst>
+              <a:ext uri="{FF2B5EF4-FFF2-40B4-BE49-F238E27FC236}">
                 <a16:creationId xmlns:a16="http://schemas.microsoft.com/office/drawing/2014/main" id="{5BFB9C98-CEC9-40B5-9821-A65A30501A1D}"/>
               </a:ext>
             </a:extLst>
@@ -6730,7 +7022,7 @@
 </p:sld>
 </file>
 
-<file path=ppt/slides/slide5.xml><?xml version="1.0" encoding="utf-8"?>
+<file path=ppt/slides/slide6.xml><?xml version="1.0" encoding="utf-8"?>
 <p:sld xmlns:a="http://schemas.openxmlformats.org/drawingml/2006/main" xmlns:r="http://schemas.openxmlformats.org/officeDocument/2006/relationships" xmlns:p="http://schemas.openxmlformats.org/presentationml/2006/main">
   <p:cSld>
     <p:spTree>
@@ -6884,7 +7176,7 @@
 </p:sld>
 </file>
 
-<file path=ppt/slides/slide6.xml><?xml version="1.0" encoding="utf-8"?>
+<file path=ppt/slides/slide7.xml><?xml version="1.0" encoding="utf-8"?>
 <p:sld xmlns:a="http://schemas.openxmlformats.org/drawingml/2006/main" xmlns:r="http://schemas.openxmlformats.org/officeDocument/2006/relationships" xmlns:p="http://schemas.openxmlformats.org/presentationml/2006/main">
   <p:cSld>
     <p:spTree>
@@ -7058,94 +7350,6 @@
 </p:sld>
 </file>
 
-<file path=ppt/slides/slide7.xml><?xml version="1.0" encoding="utf-8"?>
-<p:sld xmlns:a="http://schemas.openxmlformats.org/drawingml/2006/main" xmlns:r="http://schemas.openxmlformats.org/officeDocument/2006/relationships" xmlns:p="http://schemas.openxmlformats.org/presentationml/2006/main">
-  <p:cSld>
-    <p:spTree>
-      <p:nvGrpSpPr>
-        <p:cNvPr id="1" name=""/>
-        <p:cNvGrpSpPr/>
-        <p:nvPr/>
-      </p:nvGrpSpPr>
-      <p:grpSpPr>
-        <a:xfrm>
-          <a:off x="0" y="0"/>
-          <a:ext cx="0" cy="0"/>
-          <a:chOff x="0" y="0"/>
-          <a:chExt cx="0" cy="0"/>
-        </a:xfrm>
-      </p:grpSpPr>
-      <p:sp>
-        <p:nvSpPr>
-          <p:cNvPr id="2" name="Titel 1">
-            <a:extLst>
-              <a:ext uri="{FF2B5EF4-FFF2-40B4-BE49-F238E27FC236}">
-                <a16:creationId xmlns:a16="http://schemas.microsoft.com/office/drawing/2014/main" id="{0027DE28-7CAA-44BF-BDD0-0A781C0C3579}"/>
-              </a:ext>
-            </a:extLst>
-          </p:cNvPr>
-          <p:cNvSpPr>
-            <a:spLocks noGrp="1"/>
-          </p:cNvSpPr>
-          <p:nvPr>
-            <p:ph type="title"/>
-          </p:nvPr>
-        </p:nvSpPr>
-        <p:spPr/>
-        <p:txBody>
-          <a:bodyPr/>
-          <a:lstStyle/>
-          <a:p>
-            <a:r>
-              <a:rPr lang="de-DE" dirty="0" err="1"/>
-              <a:t>Bruteforce</a:t>
-            </a:r>
-            <a:r>
-              <a:rPr lang="de-DE" dirty="0"/>
-              <a:t>…</a:t>
-            </a:r>
-            <a:endParaRPr lang="en-GB" dirty="0"/>
-          </a:p>
-        </p:txBody>
-      </p:sp>
-      <p:sp>
-        <p:nvSpPr>
-          <p:cNvPr id="3" name="Inhaltsplatzhalter 2">
-            <a:extLst>
-              <a:ext uri="{FF2B5EF4-FFF2-40B4-BE49-F238E27FC236}">
-                <a16:creationId xmlns:a16="http://schemas.microsoft.com/office/drawing/2014/main" id="{13AD1593-076F-4259-84F3-4EF6FAD476DC}"/>
-              </a:ext>
-            </a:extLst>
-          </p:cNvPr>
-          <p:cNvSpPr>
-            <a:spLocks noGrp="1"/>
-          </p:cNvSpPr>
-          <p:nvPr>
-            <p:ph idx="1"/>
-          </p:nvPr>
-        </p:nvSpPr>
-        <p:spPr/>
-        <p:txBody>
-          <a:bodyPr/>
-          <a:lstStyle/>
-          <a:p>
-            <a:endParaRPr lang="en-GB"/>
-          </a:p>
-        </p:txBody>
-      </p:sp>
-    </p:spTree>
-    <p:extLst>
-      <p:ext uri="{BB962C8B-B14F-4D97-AF65-F5344CB8AC3E}">
-        <p14:creationId xmlns:p14="http://schemas.microsoft.com/office/powerpoint/2010/main" val="3584708221"/>
-      </p:ext>
-    </p:extLst>
-  </p:cSld>
-  <p:clrMapOvr>
-    <a:masterClrMapping/>
-  </p:clrMapOvr>
-</p:sld>
-</file>
-
 <file path=ppt/slides/slide8.xml><?xml version="1.0" encoding="utf-8"?>
 <p:sld xmlns:a="http://schemas.openxmlformats.org/drawingml/2006/main" xmlns:r="http://schemas.openxmlformats.org/officeDocument/2006/relationships" xmlns:p="http://schemas.openxmlformats.org/presentationml/2006/main">
   <p:cSld>
@@ -7168,7 +7372,7 @@
           <p:cNvPr id="2" name="Titel 1">
             <a:extLst>
               <a:ext uri="{FF2B5EF4-FFF2-40B4-BE49-F238E27FC236}">
-                <a16:creationId xmlns:a16="http://schemas.microsoft.com/office/drawing/2014/main" id="{9710CF07-43B8-4223-BA31-E7890804E015}"/>
+                <a16:creationId xmlns:a16="http://schemas.microsoft.com/office/drawing/2014/main" id="{0027DE28-7CAA-44BF-BDD0-0A781C0C3579}"/>
               </a:ext>
             </a:extLst>
           </p:cNvPr>
@@ -7176,7 +7380,7 @@
             <a:spLocks noGrp="1"/>
           </p:cNvSpPr>
           <p:nvPr>
-            <p:ph type="ctrTitle"/>
+            <p:ph type="title"/>
           </p:nvPr>
         </p:nvSpPr>
         <p:spPr/>
@@ -7185,24 +7389,46 @@
           <a:lstStyle/>
           <a:p>
             <a:r>
-              <a:rPr lang="en-GB" dirty="0">
-                <a:effectLst>
-                  <a:outerShdw blurRad="38100" dist="38100" dir="2700000" algn="tl">
-                    <a:srgbClr val="000000">
-                      <a:alpha val="43137"/>
-                    </a:srgbClr>
-                  </a:outerShdw>
-                </a:effectLst>
-              </a:rPr>
-              <a:t>Chat demonstration ?</a:t>
-            </a:r>
+              <a:rPr lang="de-DE" dirty="0" err="1"/>
+              <a:t>Bruteforce</a:t>
+            </a:r>
+            <a:r>
+              <a:rPr lang="de-DE" dirty="0"/>
+              <a:t>…</a:t>
+            </a:r>
+            <a:endParaRPr lang="en-GB" dirty="0"/>
+          </a:p>
+        </p:txBody>
+      </p:sp>
+      <p:sp>
+        <p:nvSpPr>
+          <p:cNvPr id="3" name="Inhaltsplatzhalter 2">
+            <a:extLst>
+              <a:ext uri="{FF2B5EF4-FFF2-40B4-BE49-F238E27FC236}">
+                <a16:creationId xmlns:a16="http://schemas.microsoft.com/office/drawing/2014/main" id="{13AD1593-076F-4259-84F3-4EF6FAD476DC}"/>
+              </a:ext>
+            </a:extLst>
+          </p:cNvPr>
+          <p:cNvSpPr>
+            <a:spLocks noGrp="1"/>
+          </p:cNvSpPr>
+          <p:nvPr>
+            <p:ph idx="1"/>
+          </p:nvPr>
+        </p:nvSpPr>
+        <p:spPr/>
+        <p:txBody>
+          <a:bodyPr/>
+          <a:lstStyle/>
+          <a:p>
+            <a:endParaRPr lang="en-GB"/>
           </a:p>
         </p:txBody>
       </p:sp>
     </p:spTree>
     <p:extLst>
       <p:ext uri="{BB962C8B-B14F-4D97-AF65-F5344CB8AC3E}">
-        <p14:creationId xmlns:p14="http://schemas.microsoft.com/office/powerpoint/2010/main" val="3863686215"/>
+        <p14:creationId xmlns:p14="http://schemas.microsoft.com/office/powerpoint/2010/main" val="3584708221"/>
       </p:ext>
     </p:extLst>
   </p:cSld>
@@ -7231,10 +7457,10 @@
       </p:grpSpPr>
       <p:sp>
         <p:nvSpPr>
-          <p:cNvPr id="3" name="Bildplatzhalter 2">
+          <p:cNvPr id="2" name="Titel 1">
             <a:extLst>
               <a:ext uri="{FF2B5EF4-FFF2-40B4-BE49-F238E27FC236}">
-                <a16:creationId xmlns:a16="http://schemas.microsoft.com/office/drawing/2014/main" id="{5CA332C7-F2F8-4910-A906-FF54708BE5FB}"/>
+                <a16:creationId xmlns:a16="http://schemas.microsoft.com/office/drawing/2014/main" id="{9710CF07-43B8-4223-BA31-E7890804E015}"/>
               </a:ext>
             </a:extLst>
           </p:cNvPr>
@@ -7242,79 +7468,25 @@
             <a:spLocks noGrp="1"/>
           </p:cNvSpPr>
           <p:nvPr>
-            <p:ph type="pic" sz="quarter" idx="13"/>
-          </p:nvPr>
-        </p:nvSpPr>
-        <p:spPr>
-          <a:xfrm>
-            <a:off x="0" y="0"/>
-            <a:ext cx="12192000" cy="3952568"/>
-          </a:xfrm>
-          <a:solidFill>
-            <a:schemeClr val="tx1"/>
-          </a:solidFill>
-        </p:spPr>
-      </p:sp>
-      <p:pic>
-        <p:nvPicPr>
-          <p:cNvPr id="6" name="Grafik 5">
-            <a:extLst>
-              <a:ext uri="{FF2B5EF4-FFF2-40B4-BE49-F238E27FC236}">
-                <a16:creationId xmlns:a16="http://schemas.microsoft.com/office/drawing/2014/main" id="{17EFF152-3793-41F4-A730-1DD1EC56C5E0}"/>
-              </a:ext>
-            </a:extLst>
-          </p:cNvPr>
-          <p:cNvPicPr>
-            <a:picLocks noChangeAspect="1"/>
-          </p:cNvPicPr>
-          <p:nvPr/>
-        </p:nvPicPr>
-        <p:blipFill>
-          <a:blip r:embed="rId2"/>
-          <a:stretch>
-            <a:fillRect/>
-          </a:stretch>
-        </p:blipFill>
-        <p:spPr>
-          <a:xfrm>
-            <a:off x="1798894" y="1238865"/>
-            <a:ext cx="7620000" cy="3019425"/>
-          </a:xfrm>
-          <a:prstGeom prst="rect">
-            <a:avLst/>
-          </a:prstGeom>
-        </p:spPr>
-      </p:pic>
-      <p:sp>
-        <p:nvSpPr>
-          <p:cNvPr id="4" name="Rechteck 3">
-            <a:extLst>
-              <a:ext uri="{FF2B5EF4-FFF2-40B4-BE49-F238E27FC236}">
-                <a16:creationId xmlns:a16="http://schemas.microsoft.com/office/drawing/2014/main" id="{24AEE91E-5BE4-440F-9263-DAD651FD8F61}"/>
-              </a:ext>
-            </a:extLst>
-          </p:cNvPr>
-          <p:cNvSpPr/>
-          <p:nvPr/>
-        </p:nvSpPr>
-        <p:spPr>
-          <a:xfrm>
-            <a:off x="9144371" y="6642556"/>
-            <a:ext cx="3047629" cy="215444"/>
-          </a:xfrm>
-          <a:prstGeom prst="rect">
-            <a:avLst/>
-          </a:prstGeom>
-        </p:spPr>
-        <p:txBody>
-          <a:bodyPr wrap="none">
-            <a:spAutoFit/>
-          </a:bodyPr>
+            <p:ph type="ctrTitle"/>
+          </p:nvPr>
+        </p:nvSpPr>
+        <p:spPr/>
+        <p:txBody>
+          <a:bodyPr/>
           <a:lstStyle/>
           <a:p>
             <a:r>
-              <a:rPr lang="en-GB" sz="800" dirty="0"/>
-              <a:t>Security icon: https://www.huddle.com/product/security/</a:t>
+              <a:rPr lang="en-GB" dirty="0">
+                <a:effectLst>
+                  <a:outerShdw blurRad="38100" dist="38100" dir="2700000" algn="tl">
+                    <a:srgbClr val="000000">
+                      <a:alpha val="43137"/>
+                    </a:srgbClr>
+                  </a:outerShdw>
+                </a:effectLst>
+              </a:rPr>
+              <a:t>Chat demonstration ?</a:t>
             </a:r>
           </a:p>
         </p:txBody>
@@ -7322,7 +7494,7 @@
     </p:spTree>
     <p:extLst>
       <p:ext uri="{BB962C8B-B14F-4D97-AF65-F5344CB8AC3E}">
-        <p14:creationId xmlns:p14="http://schemas.microsoft.com/office/powerpoint/2010/main" val="523846063"/>
+        <p14:creationId xmlns:p14="http://schemas.microsoft.com/office/powerpoint/2010/main" val="3863686215"/>
       </p:ext>
     </p:extLst>
   </p:cSld>
